--- a/AIP/Slides/Week 2/Improving Search 04 - Landmarks.pptx
+++ b/AIP/Slides/Week 2/Improving Search 04 - Landmarks.pptx
@@ -851,7 +851,7 @@
           <a:p>
             <a:fld id="{163B7FA9-1012-492B-84A5-DB45D8DA0564}" type="datetimeFigureOut">
               <a:rPr lang="en-GB" smtClean="0"/>
-              <a:t>15/09/2020</a:t>
+              <a:t>01/01/2021</a:t>
             </a:fld>
             <a:endParaRPr lang="en-GB"/>
           </a:p>
@@ -10376,7 +10376,7 @@
               <a:pPr>
                 <a:defRPr/>
               </a:pPr>
-              <a:t>9/15/2020</a:t>
+              <a:t>1/1/2021</a:t>
             </a:fld>
             <a:endParaRPr lang="en-GB" dirty="0"/>
           </a:p>
@@ -10573,7 +10573,7 @@
               <a:pPr>
                 <a:defRPr/>
               </a:pPr>
-              <a:t>9/15/2020</a:t>
+              <a:t>1/1/2021</a:t>
             </a:fld>
             <a:endParaRPr lang="en-GB" dirty="0"/>
           </a:p>
@@ -10842,7 +10842,7 @@
               <a:pPr>
                 <a:defRPr/>
               </a:pPr>
-              <a:t>9/15/2020</a:t>
+              <a:t>1/1/2021</a:t>
             </a:fld>
             <a:endParaRPr lang="en-GB" dirty="0"/>
           </a:p>
@@ -11334,7 +11334,7 @@
               <a:pPr>
                 <a:defRPr/>
               </a:pPr>
-              <a:t>9/15/2020</a:t>
+              <a:t>1/1/2021</a:t>
             </a:fld>
             <a:endParaRPr lang="en-GB" dirty="0"/>
           </a:p>
@@ -11607,7 +11607,7 @@
               <a:pPr>
                 <a:defRPr/>
               </a:pPr>
-              <a:t>9/15/2020</a:t>
+              <a:t>1/1/2021</a:t>
             </a:fld>
             <a:endParaRPr lang="en-GB" dirty="0"/>
           </a:p>
@@ -11922,7 +11922,7 @@
               <a:pPr>
                 <a:defRPr/>
               </a:pPr>
-              <a:t>9/15/2020</a:t>
+              <a:t>1/1/2021</a:t>
             </a:fld>
             <a:endParaRPr lang="en-GB" dirty="0"/>
           </a:p>
@@ -12371,7 +12371,7 @@
               <a:pPr>
                 <a:defRPr/>
               </a:pPr>
-              <a:t>9/15/2020</a:t>
+              <a:t>1/1/2021</a:t>
             </a:fld>
             <a:endParaRPr lang="en-GB" dirty="0"/>
           </a:p>
@@ -12516,7 +12516,7 @@
               <a:pPr>
                 <a:defRPr/>
               </a:pPr>
-              <a:t>9/15/2020</a:t>
+              <a:t>1/1/2021</a:t>
             </a:fld>
             <a:endParaRPr lang="en-GB" dirty="0"/>
           </a:p>
@@ -12638,7 +12638,7 @@
               <a:pPr>
                 <a:defRPr/>
               </a:pPr>
-              <a:t>9/15/2020</a:t>
+              <a:t>1/1/2021</a:t>
             </a:fld>
             <a:endParaRPr lang="en-GB" dirty="0"/>
           </a:p>
@@ -12942,7 +12942,7 @@
               <a:pPr>
                 <a:defRPr/>
               </a:pPr>
-              <a:t>9/15/2020</a:t>
+              <a:t>1/1/2021</a:t>
             </a:fld>
             <a:endParaRPr lang="en-GB" dirty="0"/>
           </a:p>
@@ -13225,7 +13225,7 @@
               <a:pPr>
                 <a:defRPr/>
               </a:pPr>
-              <a:t>9/15/2020</a:t>
+              <a:t>1/1/2021</a:t>
             </a:fld>
             <a:endParaRPr lang="en-GB" dirty="0"/>
           </a:p>
@@ -13422,7 +13422,7 @@
               <a:pPr>
                 <a:defRPr/>
               </a:pPr>
-              <a:t>9/15/2020</a:t>
+              <a:t>1/1/2021</a:t>
             </a:fld>
             <a:endParaRPr lang="en-GB" dirty="0"/>
           </a:p>
@@ -13629,7 +13629,7 @@
               <a:pPr>
                 <a:defRPr/>
               </a:pPr>
-              <a:t>9/15/2020</a:t>
+              <a:t>1/1/2021</a:t>
             </a:fld>
             <a:endParaRPr lang="en-GB" dirty="0"/>
           </a:p>
@@ -16584,7 +16584,7 @@
               <a:pPr>
                 <a:defRPr/>
               </a:pPr>
-              <a:t>9/15/2020</a:t>
+              <a:t>1/1/2021</a:t>
             </a:fld>
             <a:endParaRPr lang="en-GB" dirty="0"/>
           </a:p>
@@ -26126,31 +26126,6 @@
           </a:extLst>
         </p:spPr>
       </p:pic>
-      <p:sp>
-        <p:nvSpPr>
-          <p:cNvPr id="7" name="Content Placeholder 6">
-            <a:extLst>
-              <a:ext uri="{FF2B5EF4-FFF2-40B4-BE49-F238E27FC236}">
-                <a16:creationId xmlns:a16="http://schemas.microsoft.com/office/drawing/2014/main" id="{1D5A6579-EE0E-4BD2-863D-10CBB18BF467}"/>
-              </a:ext>
-            </a:extLst>
-          </p:cNvPr>
-          <p:cNvSpPr>
-            <a:spLocks noGrp="1"/>
-          </p:cNvSpPr>
-          <p:nvPr>
-            <p:ph sz="quarter" idx="12"/>
-          </p:nvPr>
-        </p:nvSpPr>
-        <p:spPr/>
-        <p:txBody>
-          <a:bodyPr/>
-          <a:lstStyle/>
-          <a:p>
-            <a:endParaRPr lang="en-GB"/>
-          </a:p>
-        </p:txBody>
-      </p:sp>
       <p:pic>
         <p:nvPicPr>
           <p:cNvPr id="8" name="Content Placeholder 4">
@@ -27568,21 +27543,6 @@
 </file>
 
 <file path=customXml/item1.xml><?xml version="1.0" encoding="utf-8"?>
-<?mso-contentType ?>
-<FormTemplates xmlns="http://schemas.microsoft.com/sharepoint/v3/contenttype/forms">
-  <Display>DocumentLibraryForm</Display>
-  <Edit>DocumentLibraryForm</Edit>
-  <New>DocumentLibraryForm</New>
-</FormTemplates>
-</file>
-
-<file path=customXml/item2.xml><?xml version="1.0" encoding="utf-8"?>
-<p:properties xmlns:p="http://schemas.microsoft.com/office/2006/metadata/properties" xmlns:xsi="http://www.w3.org/2001/XMLSchema-instance" xmlns:pc="http://schemas.microsoft.com/office/infopath/2007/PartnerControls">
-  <documentManagement/>
-</p:properties>
-</file>
-
-<file path=customXml/item3.xml><?xml version="1.0" encoding="utf-8"?>
 <ct:contentTypeSchema xmlns:ct="http://schemas.microsoft.com/office/2006/metadata/contentType" xmlns:ma="http://schemas.microsoft.com/office/2006/metadata/properties/metaAttributes" ct:_="" ma:_="" ma:contentTypeName="Document" ma:contentTypeID="0x010100ED59FB2E35D22949B1DD8F65F2E558A2" ma:contentTypeVersion="11" ma:contentTypeDescription="Create a new document." ma:contentTypeScope="" ma:versionID="1614996fb8b880f8bc9f9831bde38a34">
   <xsd:schema xmlns:xsd="http://www.w3.org/2001/XMLSchema" xmlns:xs="http://www.w3.org/2001/XMLSchema" xmlns:p="http://schemas.microsoft.com/office/2006/metadata/properties" xmlns:ns3="e3d1bf5a-5624-430e-ba28-4c7f967a2bc8" xmlns:ns4="a340aef7-832b-40a8-b4ba-ce4d8dbdbf60" targetNamespace="http://schemas.microsoft.com/office/2006/metadata/properties" ma:root="true" ma:fieldsID="0e00925a6f55710d239fbbe137812bdf" ns3:_="" ns4:_="">
     <xsd:import namespace="e3d1bf5a-5624-430e-ba28-4c7f967a2bc8"/>
@@ -27793,25 +27753,22 @@
 </ct:contentTypeSchema>
 </file>
 
-<file path=customXml/itemProps1.xml><?xml version="1.0" encoding="utf-8"?>
-<ds:datastoreItem xmlns:ds="http://schemas.openxmlformats.org/officeDocument/2006/customXml" ds:itemID="{8657C9EE-D2EE-494C-90EA-7DB710EED5C9}">
-  <ds:schemaRefs>
-    <ds:schemaRef ds:uri="http://schemas.microsoft.com/sharepoint/v3/contenttype/forms"/>
-  </ds:schemaRefs>
-</ds:datastoreItem>
+<file path=customXml/item2.xml><?xml version="1.0" encoding="utf-8"?>
+<p:properties xmlns:p="http://schemas.microsoft.com/office/2006/metadata/properties" xmlns:xsi="http://www.w3.org/2001/XMLSchema-instance" xmlns:pc="http://schemas.microsoft.com/office/infopath/2007/PartnerControls">
+  <documentManagement/>
+</p:properties>
 </file>
 
-<file path=customXml/itemProps2.xml><?xml version="1.0" encoding="utf-8"?>
-<ds:datastoreItem xmlns:ds="http://schemas.openxmlformats.org/officeDocument/2006/customXml" ds:itemID="{C4C5424E-11EC-453A-9C9B-9573452133F0}">
-  <ds:schemaRefs>
-    <ds:schemaRef ds:uri="http://schemas.microsoft.com/office/2006/metadata/properties"/>
-    <ds:schemaRef ds:uri="http://www.w3.org/2000/xmlns/"/>
-    <ds:schemaRef ds:uri="http://schemas.microsoft.com/office/infopath/2007/PartnerControls"/>
-  </ds:schemaRefs>
-</ds:datastoreItem>
+<file path=customXml/item3.xml><?xml version="1.0" encoding="utf-8"?>
+<?mso-contentType ?>
+<FormTemplates xmlns="http://schemas.microsoft.com/sharepoint/v3/contenttype/forms">
+  <Display>DocumentLibraryForm</Display>
+  <Edit>DocumentLibraryForm</Edit>
+  <New>DocumentLibraryForm</New>
+</FormTemplates>
 </file>
 
-<file path=customXml/itemProps3.xml><?xml version="1.0" encoding="utf-8"?>
+<file path=customXml/itemProps1.xml><?xml version="1.0" encoding="utf-8"?>
 <ds:datastoreItem xmlns:ds="http://schemas.openxmlformats.org/officeDocument/2006/customXml" ds:itemID="{DD5EDAEF-B14A-4F89-93F6-900346F505C4}">
   <ds:schemaRefs>
     <ds:schemaRef ds:uri="a340aef7-832b-40a8-b4ba-ce4d8dbdbf60"/>
@@ -27829,4 +27786,22 @@
     <ds:schemaRef ds:uri="http://schemas.microsoft.com/internal/obd"/>
   </ds:schemaRefs>
 </ds:datastoreItem>
+</file>
+
+<file path=customXml/itemProps2.xml><?xml version="1.0" encoding="utf-8"?>
+<ds:datastoreItem xmlns:ds="http://schemas.openxmlformats.org/officeDocument/2006/customXml" ds:itemID="{C4C5424E-11EC-453A-9C9B-9573452133F0}">
+  <ds:schemaRefs>
+    <ds:schemaRef ds:uri="http://schemas.microsoft.com/office/2006/metadata/properties"/>
+    <ds:schemaRef ds:uri="http://www.w3.org/2000/xmlns/"/>
+    <ds:schemaRef ds:uri="http://schemas.microsoft.com/office/infopath/2007/PartnerControls"/>
+  </ds:schemaRefs>
+</ds:datastoreItem>
+</file>
+
+<file path=customXml/itemProps3.xml><?xml version="1.0" encoding="utf-8"?>
+<ds:datastoreItem xmlns:ds="http://schemas.openxmlformats.org/officeDocument/2006/customXml" ds:itemID="{8657C9EE-D2EE-494C-90EA-7DB710EED5C9}">
+  <ds:schemaRefs>
+    <ds:schemaRef ds:uri="http://schemas.microsoft.com/sharepoint/v3/contenttype/forms"/>
+  </ds:schemaRefs>
+</ds:datastoreItem>
 </file>